--- a/static/slides/Week 3/Sampling.pptx
+++ b/static/slides/Week 3/Sampling.pptx
@@ -343,7 +343,7 @@
             <a:fld id="{77066E15-9015-48CC-9E90-6899A2B7AFD9}" type="datetimeFigureOut">
               <a:rPr lang="en-US" smtClean="0"/>
               <a:pPr/>
-              <a:t>8/31/20</a:t>
+              <a:t>10/1/20</a:t>
             </a:fld>
             <a:endParaRPr lang="en-US" dirty="0"/>
           </a:p>
@@ -1398,7 +1398,7 @@
                 </a:solidFill>
               </a:rPr>
               <a:pPr/>
-              <a:t>8/31/20</a:t>
+              <a:t>10/1/20</a:t>
             </a:fld>
             <a:endParaRPr lang="en-US" dirty="0">
               <a:solidFill>
@@ -1710,7 +1710,7 @@
           <a:p>
             <a:fld id="{033859B4-C6C7-49FB-826D-35AD682E246D}" type="datetimeFigureOut">
               <a:rPr lang="en-US" smtClean="0"/>
-              <a:t>8/31/20</a:t>
+              <a:t>10/1/20</a:t>
             </a:fld>
             <a:endParaRPr lang="en-US" dirty="0"/>
           </a:p>
@@ -1917,7 +1917,7 @@
             <a:fld id="{033859B4-C6C7-49FB-826D-35AD682E246D}" type="datetimeFigureOut">
               <a:rPr lang="en-US" smtClean="0"/>
               <a:pPr/>
-              <a:t>8/31/20</a:t>
+              <a:t>10/1/20</a:t>
             </a:fld>
             <a:endParaRPr lang="en-US" dirty="0"/>
           </a:p>
@@ -2199,7 +2199,7 @@
             <a:fld id="{033859B4-C6C7-49FB-826D-35AD682E246D}" type="datetimeFigureOut">
               <a:rPr lang="en-US" smtClean="0"/>
               <a:pPr/>
-              <a:t>8/31/20</a:t>
+              <a:t>10/1/20</a:t>
             </a:fld>
             <a:endParaRPr lang="en-US" dirty="0"/>
           </a:p>
@@ -2545,7 +2545,7 @@
             <a:fld id="{033859B4-C6C7-49FB-826D-35AD682E246D}" type="datetimeFigureOut">
               <a:rPr lang="en-US" smtClean="0"/>
               <a:pPr/>
-              <a:t>8/31/20</a:t>
+              <a:t>10/1/20</a:t>
             </a:fld>
             <a:endParaRPr lang="en-US" dirty="0"/>
           </a:p>
@@ -3169,7 +3169,7 @@
             <a:fld id="{033859B4-C6C7-49FB-826D-35AD682E246D}" type="datetimeFigureOut">
               <a:rPr lang="en-US" smtClean="0"/>
               <a:pPr/>
-              <a:t>8/31/20</a:t>
+              <a:t>10/1/20</a:t>
             </a:fld>
             <a:endParaRPr lang="en-US" dirty="0"/>
           </a:p>
@@ -4030,7 +4030,7 @@
             <a:fld id="{033859B4-C6C7-49FB-826D-35AD682E246D}" type="datetimeFigureOut">
               <a:rPr lang="en-US" smtClean="0"/>
               <a:pPr/>
-              <a:t>8/31/20</a:t>
+              <a:t>10/1/20</a:t>
             </a:fld>
             <a:endParaRPr lang="en-US" dirty="0"/>
           </a:p>
@@ -4220,7 +4220,7 @@
                 </a:solidFill>
               </a:rPr>
               <a:pPr/>
-              <a:t>8/31/20</a:t>
+              <a:t>10/1/20</a:t>
             </a:fld>
             <a:endParaRPr lang="en-US" dirty="0">
               <a:solidFill>
@@ -4444,7 +4444,7 @@
                 </a:solidFill>
               </a:rPr>
               <a:pPr/>
-              <a:t>8/31/20</a:t>
+              <a:t>10/1/20</a:t>
             </a:fld>
             <a:endParaRPr lang="en-US" dirty="0">
               <a:solidFill>
@@ -4732,7 +4732,7 @@
                 </a:solidFill>
               </a:rPr>
               <a:pPr/>
-              <a:t>8/31/20</a:t>
+              <a:t>10/1/20</a:t>
             </a:fld>
             <a:endParaRPr lang="en-US" dirty="0">
               <a:solidFill>
@@ -4946,7 +4946,7 @@
                 </a:solidFill>
               </a:rPr>
               <a:pPr/>
-              <a:t>8/31/20</a:t>
+              <a:t>10/1/20</a:t>
             </a:fld>
             <a:endParaRPr lang="en-US" dirty="0">
               <a:solidFill>
@@ -5160,7 +5160,7 @@
                 </a:solidFill>
               </a:rPr>
               <a:pPr/>
-              <a:t>8/31/20</a:t>
+              <a:t>10/1/20</a:t>
             </a:fld>
             <a:endParaRPr lang="en-US" dirty="0">
               <a:solidFill>
@@ -5448,7 +5448,7 @@
                 </a:solidFill>
               </a:rPr>
               <a:pPr/>
-              <a:t>8/31/20</a:t>
+              <a:t>10/1/20</a:t>
             </a:fld>
             <a:endParaRPr lang="en-US" dirty="0">
               <a:solidFill>
@@ -5784,7 +5784,7 @@
                 </a:solidFill>
               </a:rPr>
               <a:pPr/>
-              <a:t>8/31/20</a:t>
+              <a:t>10/1/20</a:t>
             </a:fld>
             <a:endParaRPr lang="en-US" dirty="0">
               <a:solidFill>
@@ -6259,7 +6259,7 @@
           <a:p>
             <a:fld id="{033859B4-C6C7-49FB-826D-35AD682E246D}" type="datetimeFigureOut">
               <a:rPr lang="en-US" smtClean="0"/>
-              <a:t>8/31/20</a:t>
+              <a:t>10/1/20</a:t>
             </a:fld>
             <a:endParaRPr lang="en-US" dirty="0"/>
           </a:p>
@@ -6396,7 +6396,7 @@
                 </a:solidFill>
               </a:rPr>
               <a:pPr/>
-              <a:t>8/31/20</a:t>
+              <a:t>10/1/20</a:t>
             </a:fld>
             <a:endParaRPr lang="en-US" dirty="0">
               <a:solidFill>
@@ -6535,7 +6535,7 @@
                 </a:solidFill>
               </a:rPr>
               <a:pPr/>
-              <a:t>8/31/20</a:t>
+              <a:t>10/1/20</a:t>
             </a:fld>
             <a:endParaRPr lang="en-US" dirty="0">
               <a:solidFill>
@@ -6858,7 +6858,7 @@
                 </a:solidFill>
               </a:rPr>
               <a:pPr/>
-              <a:t>8/31/20</a:t>
+              <a:t>10/1/20</a:t>
             </a:fld>
             <a:endParaRPr lang="en-US" dirty="0">
               <a:solidFill>
@@ -7177,7 +7177,7 @@
                 </a:solidFill>
               </a:rPr>
               <a:pPr/>
-              <a:t>8/31/20</a:t>
+              <a:t>10/1/20</a:t>
             </a:fld>
             <a:endParaRPr lang="en-US" dirty="0">
               <a:solidFill>
@@ -7489,7 +7489,7 @@
           <a:p>
             <a:fld id="{033859B4-C6C7-49FB-826D-35AD682E246D}" type="datetimeFigureOut">
               <a:rPr lang="en-US" smtClean="0"/>
-              <a:t>8/31/20</a:t>
+              <a:t>10/1/20</a:t>
             </a:fld>
             <a:endParaRPr lang="en-US" dirty="0"/>
           </a:p>
@@ -7696,7 +7696,7 @@
             <a:fld id="{033859B4-C6C7-49FB-826D-35AD682E246D}" type="datetimeFigureOut">
               <a:rPr lang="en-US" smtClean="0"/>
               <a:pPr/>
-              <a:t>8/31/20</a:t>
+              <a:t>10/1/20</a:t>
             </a:fld>
             <a:endParaRPr lang="en-US" dirty="0"/>
           </a:p>
@@ -7978,7 +7978,7 @@
             <a:fld id="{033859B4-C6C7-49FB-826D-35AD682E246D}" type="datetimeFigureOut">
               <a:rPr lang="en-US" smtClean="0"/>
               <a:pPr/>
-              <a:t>8/31/20</a:t>
+              <a:t>10/1/20</a:t>
             </a:fld>
             <a:endParaRPr lang="en-US" dirty="0"/>
           </a:p>
@@ -8330,7 +8330,7 @@
                 </a:solidFill>
               </a:rPr>
               <a:pPr/>
-              <a:t>8/31/20</a:t>
+              <a:t>10/1/20</a:t>
             </a:fld>
             <a:endParaRPr lang="en-US" dirty="0">
               <a:solidFill>
@@ -8612,7 +8612,7 @@
             <a:fld id="{033859B4-C6C7-49FB-826D-35AD682E246D}" type="datetimeFigureOut">
               <a:rPr lang="en-US" smtClean="0"/>
               <a:pPr/>
-              <a:t>8/31/20</a:t>
+              <a:t>10/1/20</a:t>
             </a:fld>
             <a:endParaRPr lang="en-US" dirty="0"/>
           </a:p>
@@ -9236,7 +9236,7 @@
             <a:fld id="{033859B4-C6C7-49FB-826D-35AD682E246D}" type="datetimeFigureOut">
               <a:rPr lang="en-US" smtClean="0"/>
               <a:pPr/>
-              <a:t>8/31/20</a:t>
+              <a:t>10/1/20</a:t>
             </a:fld>
             <a:endParaRPr lang="en-US" dirty="0"/>
           </a:p>
@@ -10097,7 +10097,7 @@
             <a:fld id="{033859B4-C6C7-49FB-826D-35AD682E246D}" type="datetimeFigureOut">
               <a:rPr lang="en-US" smtClean="0"/>
               <a:pPr/>
-              <a:t>8/31/20</a:t>
+              <a:t>10/1/20</a:t>
             </a:fld>
             <a:endParaRPr lang="en-US" dirty="0"/>
           </a:p>
@@ -10287,7 +10287,7 @@
                 </a:solidFill>
               </a:rPr>
               <a:pPr/>
-              <a:t>8/31/20</a:t>
+              <a:t>10/1/20</a:t>
             </a:fld>
             <a:endParaRPr lang="en-US" dirty="0">
               <a:solidFill>
@@ -10511,7 +10511,7 @@
                 </a:solidFill>
               </a:rPr>
               <a:pPr/>
-              <a:t>8/31/20</a:t>
+              <a:t>10/1/20</a:t>
             </a:fld>
             <a:endParaRPr lang="en-US" dirty="0">
               <a:solidFill>
@@ -10847,7 +10847,7 @@
                 </a:solidFill>
               </a:rPr>
               <a:pPr/>
-              <a:t>8/31/20</a:t>
+              <a:t>10/1/20</a:t>
             </a:fld>
             <a:endParaRPr lang="en-US" dirty="0">
               <a:solidFill>
@@ -11322,7 +11322,7 @@
           <a:p>
             <a:fld id="{033859B4-C6C7-49FB-826D-35AD682E246D}" type="datetimeFigureOut">
               <a:rPr lang="en-US" smtClean="0"/>
-              <a:t>8/31/20</a:t>
+              <a:t>10/1/20</a:t>
             </a:fld>
             <a:endParaRPr lang="en-US" dirty="0"/>
           </a:p>
@@ -11459,7 +11459,7 @@
                 </a:solidFill>
               </a:rPr>
               <a:pPr/>
-              <a:t>8/31/20</a:t>
+              <a:t>10/1/20</a:t>
             </a:fld>
             <a:endParaRPr lang="en-US" dirty="0">
               <a:solidFill>
@@ -11598,7 +11598,7 @@
                 </a:solidFill>
               </a:rPr>
               <a:pPr/>
-              <a:t>8/31/20</a:t>
+              <a:t>10/1/20</a:t>
             </a:fld>
             <a:endParaRPr lang="en-US" dirty="0">
               <a:solidFill>
@@ -11921,7 +11921,7 @@
                 </a:solidFill>
               </a:rPr>
               <a:pPr/>
-              <a:t>8/31/20</a:t>
+              <a:t>10/1/20</a:t>
             </a:fld>
             <a:endParaRPr lang="en-US" dirty="0">
               <a:solidFill>
@@ -12240,7 +12240,7 @@
                 </a:solidFill>
               </a:rPr>
               <a:pPr/>
-              <a:t>8/31/20</a:t>
+              <a:t>10/1/20</a:t>
             </a:fld>
             <a:endParaRPr lang="en-US" dirty="0">
               <a:solidFill>
@@ -12729,7 +12729,7 @@
             <a:fld id="{033859B4-C6C7-49FB-826D-35AD682E246D}" type="datetimeFigureOut">
               <a:rPr lang="en-US" smtClean="0"/>
               <a:pPr/>
-              <a:t>8/31/20</a:t>
+              <a:t>10/1/20</a:t>
             </a:fld>
             <a:endParaRPr lang="en-US" dirty="0"/>
           </a:p>
@@ -13617,7 +13617,7 @@
             <a:fld id="{033859B4-C6C7-49FB-826D-35AD682E246D}" type="datetimeFigureOut">
               <a:rPr lang="en-US" smtClean="0"/>
               <a:pPr/>
-              <a:t>8/31/20</a:t>
+              <a:t>10/1/20</a:t>
             </a:fld>
             <a:endParaRPr lang="en-US" dirty="0"/>
           </a:p>
